--- a/docs/intro_rmd.pptx
+++ b/docs/intro_rmd.pptx
@@ -4127,991 +4127,102 @@
           <a:chExt cx="0" cy="0"/>
         </a:xfrm>
       </p:grpSpPr>
-      <p:grpSp>
-        <p:nvGrpSpPr>
-          <p:cNvPr id="69" name="Groupe 68"/>
-          <p:cNvGrpSpPr/>
+      <p:sp>
+        <p:nvSpPr>
+          <p:cNvPr id="53" name="ZoneTexte 52">
+            <a:extLst>
+              <a:ext uri="{FF2B5EF4-FFF2-40B4-BE49-F238E27FC236}">
+                <a16:creationId xmlns:a16="http://schemas.microsoft.com/office/drawing/2014/main" id="{8CB1A3E5-26D6-4AE4-9F2C-93B2D5840981}"/>
+              </a:ext>
+            </a:extLst>
+          </p:cNvPr>
+          <p:cNvSpPr txBox="1"/>
           <p:nvPr/>
-        </p:nvGrpSpPr>
-        <p:grpSpPr>
+        </p:nvSpPr>
+        <p:spPr>
           <a:xfrm>
-            <a:off x="1223184" y="875215"/>
-            <a:ext cx="9745633" cy="5107571"/>
-            <a:chOff x="1223185" y="875215"/>
-            <a:chExt cx="9745633" cy="5107571"/>
+            <a:off x="1590174" y="757306"/>
+            <a:ext cx="9011652" cy="584775"/>
           </a:xfrm>
-        </p:grpSpPr>
-        <p:grpSp>
-          <p:nvGrpSpPr>
-            <p:cNvPr id="67" name="Groupe 66"/>
-            <p:cNvGrpSpPr/>
-            <p:nvPr/>
-          </p:nvGrpSpPr>
-          <p:grpSpPr>
-            <a:xfrm>
-              <a:off x="1223185" y="875215"/>
-              <a:ext cx="9745631" cy="5107571"/>
-              <a:chOff x="1081732" y="364382"/>
-              <a:chExt cx="9745631" cy="5107571"/>
-            </a:xfrm>
-          </p:grpSpPr>
-          <p:grpSp>
-            <p:nvGrpSpPr>
-              <p:cNvPr id="48" name="Groupe 47"/>
-              <p:cNvGrpSpPr/>
-              <p:nvPr/>
-            </p:nvGrpSpPr>
-            <p:grpSpPr>
-              <a:xfrm>
-                <a:off x="1081732" y="364382"/>
-                <a:ext cx="9745631" cy="1790700"/>
-                <a:chOff x="439706" y="2533650"/>
-                <a:chExt cx="9745631" cy="1790700"/>
-              </a:xfrm>
-            </p:grpSpPr>
-            <p:grpSp>
-              <p:nvGrpSpPr>
-                <p:cNvPr id="41" name="Groupe 40"/>
-                <p:cNvGrpSpPr/>
-                <p:nvPr/>
-              </p:nvGrpSpPr>
-              <p:grpSpPr>
-                <a:xfrm>
-                  <a:off x="439706" y="2712720"/>
-                  <a:ext cx="2160000" cy="1432560"/>
-                  <a:chOff x="5016000" y="2712720"/>
-                  <a:chExt cx="2160000" cy="1432560"/>
-                </a:xfrm>
-              </p:grpSpPr>
-              <p:grpSp>
-                <p:nvGrpSpPr>
-                  <p:cNvPr id="25" name="Groupe 24"/>
-                  <p:cNvGrpSpPr/>
-                  <p:nvPr/>
-                </p:nvGrpSpPr>
-                <p:grpSpPr>
-                  <a:xfrm>
-                    <a:off x="5060653" y="2712720"/>
-                    <a:ext cx="2070695" cy="1432560"/>
-                    <a:chOff x="284371" y="2402732"/>
-                    <a:chExt cx="2070695" cy="1432560"/>
-                  </a:xfrm>
-                </p:grpSpPr>
-                <p:pic>
-                  <p:nvPicPr>
-                    <p:cNvPr id="17" name="Image 16"/>
-                    <p:cNvPicPr>
-                      <a:picLocks noChangeAspect="1"/>
-                    </p:cNvPicPr>
-                    <p:nvPr/>
-                  </p:nvPicPr>
-                  <p:blipFill>
-                    <a:blip r:embed="rId2" cstate="hqprint">
-                      <a:extLst>
-                        <a:ext uri="{28A0092B-C50C-407E-A947-70E740481C1C}">
-                          <a14:useLocalDpi xmlns:a14="http://schemas.microsoft.com/office/drawing/2010/main" val="0"/>
-                        </a:ext>
-                      </a:extLst>
-                    </a:blip>
-                    <a:stretch>
-                      <a:fillRect/>
-                    </a:stretch>
-                  </p:blipFill>
-                  <p:spPr>
-                    <a:xfrm>
-                      <a:off x="284371" y="2402732"/>
-                      <a:ext cx="1432560" cy="1432560"/>
-                    </a:xfrm>
-                    <a:prstGeom prst="rect">
-                      <a:avLst/>
-                    </a:prstGeom>
-                  </p:spPr>
-                </p:pic>
-                <p:pic>
-                  <p:nvPicPr>
-                    <p:cNvPr id="18" name="Image 17"/>
-                    <p:cNvPicPr>
-                      <a:picLocks noChangeAspect="1"/>
-                    </p:cNvPicPr>
-                    <p:nvPr/>
-                  </p:nvPicPr>
-                  <p:blipFill>
-                    <a:blip r:embed="rId2" cstate="hqprint">
-                      <a:extLst>
-                        <a:ext uri="{28A0092B-C50C-407E-A947-70E740481C1C}">
-                          <a14:useLocalDpi xmlns:a14="http://schemas.microsoft.com/office/drawing/2010/main" val="0"/>
-                        </a:ext>
-                      </a:extLst>
-                    </a:blip>
-                    <a:stretch>
-                      <a:fillRect/>
-                    </a:stretch>
-                  </p:blipFill>
-                  <p:spPr>
-                    <a:xfrm>
-                      <a:off x="922506" y="2402732"/>
-                      <a:ext cx="1432560" cy="1432560"/>
-                    </a:xfrm>
-                    <a:prstGeom prst="rect">
-                      <a:avLst/>
-                    </a:prstGeom>
-                  </p:spPr>
-                </p:pic>
-              </p:grpSp>
-              <p:sp>
-                <p:nvSpPr>
-                  <p:cNvPr id="23" name="Rectangle : coins arrondis 8">
-                    <a:extLst>
-                      <a:ext uri="{FF2B5EF4-FFF2-40B4-BE49-F238E27FC236}">
-                        <a16:creationId xmlns:a16="http://schemas.microsoft.com/office/drawing/2014/main" id="{B6A135D8-E31B-477C-81B0-D476AFCDDEFC}"/>
-                      </a:ext>
-                    </a:extLst>
-                  </p:cNvPr>
-                  <p:cNvSpPr/>
-                  <p:nvPr/>
-                </p:nvSpPr>
-                <p:spPr>
-                  <a:xfrm>
-                    <a:off x="5016000" y="2799000"/>
-                    <a:ext cx="2160000" cy="1260000"/>
-                  </a:xfrm>
-                  <a:prstGeom prst="roundRect">
-                    <a:avLst>
-                      <a:gd name="adj" fmla="val 3475"/>
-                    </a:avLst>
-                  </a:prstGeom>
-                  <a:noFill/>
-                  <a:ln w="76200">
-                    <a:solidFill>
-                      <a:schemeClr val="accent2">
-                        <a:lumMod val="60000"/>
-                        <a:lumOff val="40000"/>
-                      </a:schemeClr>
-                    </a:solidFill>
-                  </a:ln>
-                </p:spPr>
-                <p:style>
-                  <a:lnRef idx="2">
-                    <a:schemeClr val="accent1">
-                      <a:shade val="50000"/>
-                    </a:schemeClr>
-                  </a:lnRef>
-                  <a:fillRef idx="1">
-                    <a:schemeClr val="accent1"/>
-                  </a:fillRef>
-                  <a:effectRef idx="0">
-                    <a:schemeClr val="accent1"/>
-                  </a:effectRef>
-                  <a:fontRef idx="minor">
-                    <a:schemeClr val="lt1"/>
-                  </a:fontRef>
-                </p:style>
-                <p:txBody>
-                  <a:bodyPr rtlCol="0" anchor="ctr"/>
-                  <a:lstStyle/>
-                  <a:p>
-                    <a:pPr algn="ctr"/>
-                    <a:endParaRPr lang="fr-FR"/>
-                  </a:p>
-                </p:txBody>
-              </p:sp>
-            </p:grpSp>
-            <p:grpSp>
-              <p:nvGrpSpPr>
-                <p:cNvPr id="43" name="Groupe 42"/>
-                <p:cNvGrpSpPr/>
-                <p:nvPr/>
-              </p:nvGrpSpPr>
-              <p:grpSpPr>
-                <a:xfrm>
-                  <a:off x="2913258" y="2712720"/>
-                  <a:ext cx="2226985" cy="1432560"/>
-                  <a:chOff x="4982508" y="2712720"/>
-                  <a:chExt cx="2226985" cy="1432560"/>
-                </a:xfrm>
-              </p:grpSpPr>
-              <p:grpSp>
-                <p:nvGrpSpPr>
-                  <p:cNvPr id="21" name="Groupe 20"/>
-                  <p:cNvGrpSpPr/>
-                  <p:nvPr/>
-                </p:nvGrpSpPr>
-                <p:grpSpPr>
-                  <a:xfrm>
-                    <a:off x="4982508" y="2712720"/>
-                    <a:ext cx="2226985" cy="1432560"/>
-                    <a:chOff x="128081" y="126459"/>
-                    <a:chExt cx="2226985" cy="1432560"/>
-                  </a:xfrm>
-                </p:grpSpPr>
-                <p:pic>
-                  <p:nvPicPr>
-                    <p:cNvPr id="2" name="Image 1"/>
-                    <p:cNvPicPr>
-                      <a:picLocks noChangeAspect="1"/>
-                    </p:cNvPicPr>
-                    <p:nvPr/>
-                  </p:nvPicPr>
-                  <p:blipFill>
-                    <a:blip r:embed="rId3" cstate="hqprint">
-                      <a:extLst>
-                        <a:ext uri="{28A0092B-C50C-407E-A947-70E740481C1C}">
-                          <a14:useLocalDpi xmlns:a14="http://schemas.microsoft.com/office/drawing/2010/main" val="0"/>
-                        </a:ext>
-                      </a:extLst>
-                    </a:blip>
-                    <a:stretch>
-                      <a:fillRect/>
-                    </a:stretch>
-                  </p:blipFill>
-                  <p:spPr>
-                    <a:xfrm>
-                      <a:off x="128081" y="126459"/>
-                      <a:ext cx="1432560" cy="1432560"/>
-                    </a:xfrm>
-                    <a:prstGeom prst="rect">
-                      <a:avLst/>
-                    </a:prstGeom>
-                  </p:spPr>
-                </p:pic>
-                <p:pic>
-                  <p:nvPicPr>
-                    <p:cNvPr id="8" name="Image 7"/>
-                    <p:cNvPicPr>
-                      <a:picLocks noChangeAspect="1"/>
-                    </p:cNvPicPr>
-                    <p:nvPr/>
-                  </p:nvPicPr>
-                  <p:blipFill>
-                    <a:blip r:embed="rId3" cstate="hqprint">
-                      <a:extLst>
-                        <a:ext uri="{28A0092B-C50C-407E-A947-70E740481C1C}">
-                          <a14:useLocalDpi xmlns:a14="http://schemas.microsoft.com/office/drawing/2010/main" val="0"/>
-                        </a:ext>
-                      </a:extLst>
-                    </a:blip>
-                    <a:stretch>
-                      <a:fillRect/>
-                    </a:stretch>
-                  </p:blipFill>
-                  <p:spPr>
-                    <a:xfrm>
-                      <a:off x="922506" y="126459"/>
-                      <a:ext cx="1432560" cy="1432560"/>
-                    </a:xfrm>
-                    <a:prstGeom prst="rect">
-                      <a:avLst/>
-                    </a:prstGeom>
-                  </p:spPr>
-                </p:pic>
-              </p:grpSp>
-              <p:sp>
-                <p:nvSpPr>
-                  <p:cNvPr id="42" name="Rectangle : coins arrondis 8">
-                    <a:extLst>
-                      <a:ext uri="{FF2B5EF4-FFF2-40B4-BE49-F238E27FC236}">
-                        <a16:creationId xmlns:a16="http://schemas.microsoft.com/office/drawing/2014/main" id="{B6A135D8-E31B-477C-81B0-D476AFCDDEFC}"/>
-                      </a:ext>
-                    </a:extLst>
-                  </p:cNvPr>
-                  <p:cNvSpPr/>
-                  <p:nvPr/>
-                </p:nvSpPr>
-                <p:spPr>
-                  <a:xfrm>
-                    <a:off x="5016000" y="2799000"/>
-                    <a:ext cx="2160000" cy="1260000"/>
-                  </a:xfrm>
-                  <a:prstGeom prst="roundRect">
-                    <a:avLst>
-                      <a:gd name="adj" fmla="val 3475"/>
-                    </a:avLst>
-                  </a:prstGeom>
-                  <a:noFill/>
-                  <a:ln w="76200">
-                    <a:solidFill>
-                      <a:schemeClr val="accent2">
-                        <a:lumMod val="60000"/>
-                        <a:lumOff val="40000"/>
-                      </a:schemeClr>
-                    </a:solidFill>
-                  </a:ln>
-                </p:spPr>
-                <p:style>
-                  <a:lnRef idx="2">
-                    <a:schemeClr val="accent1">
-                      <a:shade val="50000"/>
-                    </a:schemeClr>
-                  </a:lnRef>
-                  <a:fillRef idx="1">
-                    <a:schemeClr val="accent1"/>
-                  </a:fillRef>
-                  <a:effectRef idx="0">
-                    <a:schemeClr val="accent1"/>
-                  </a:effectRef>
-                  <a:fontRef idx="minor">
-                    <a:schemeClr val="lt1"/>
-                  </a:fontRef>
-                </p:style>
-                <p:txBody>
-                  <a:bodyPr rtlCol="0" anchor="ctr"/>
-                  <a:lstStyle/>
-                  <a:p>
-                    <a:pPr algn="ctr"/>
-                    <a:endParaRPr lang="fr-FR"/>
-                  </a:p>
-                </p:txBody>
-              </p:sp>
-            </p:grpSp>
-            <p:grpSp>
-              <p:nvGrpSpPr>
-                <p:cNvPr id="45" name="Groupe 44"/>
-                <p:cNvGrpSpPr/>
-                <p:nvPr/>
-              </p:nvGrpSpPr>
-              <p:grpSpPr>
-                <a:xfrm>
-                  <a:off x="5502790" y="2533650"/>
-                  <a:ext cx="2160000" cy="1790700"/>
-                  <a:chOff x="5016000" y="2533650"/>
-                  <a:chExt cx="2160000" cy="1790700"/>
-                </a:xfrm>
-              </p:grpSpPr>
-              <p:pic>
-                <p:nvPicPr>
-                  <p:cNvPr id="26" name="Image 25"/>
-                  <p:cNvPicPr>
-                    <a:picLocks noChangeAspect="1"/>
-                  </p:cNvPicPr>
-                  <p:nvPr/>
-                </p:nvPicPr>
-                <p:blipFill>
-                  <a:blip r:embed="rId4" cstate="hqprint">
-                    <a:extLst>
-                      <a:ext uri="{28A0092B-C50C-407E-A947-70E740481C1C}">
-                        <a14:useLocalDpi xmlns:a14="http://schemas.microsoft.com/office/drawing/2010/main" val="0"/>
-                      </a:ext>
-                    </a:extLst>
-                  </a:blip>
-                  <a:stretch>
-                    <a:fillRect/>
-                  </a:stretch>
-                </p:blipFill>
-                <p:spPr>
-                  <a:xfrm>
-                    <a:off x="5200650" y="2533650"/>
-                    <a:ext cx="1790700" cy="1790700"/>
-                  </a:xfrm>
-                  <a:prstGeom prst="rect">
-                    <a:avLst/>
-                  </a:prstGeom>
-                </p:spPr>
-              </p:pic>
-              <p:sp>
-                <p:nvSpPr>
-                  <p:cNvPr id="44" name="Rectangle : coins arrondis 8">
-                    <a:extLst>
-                      <a:ext uri="{FF2B5EF4-FFF2-40B4-BE49-F238E27FC236}">
-                        <a16:creationId xmlns:a16="http://schemas.microsoft.com/office/drawing/2014/main" id="{B6A135D8-E31B-477C-81B0-D476AFCDDEFC}"/>
-                      </a:ext>
-                    </a:extLst>
-                  </p:cNvPr>
-                  <p:cNvSpPr/>
-                  <p:nvPr/>
-                </p:nvSpPr>
-                <p:spPr>
-                  <a:xfrm>
-                    <a:off x="5016000" y="2799000"/>
-                    <a:ext cx="2160000" cy="1260000"/>
-                  </a:xfrm>
-                  <a:prstGeom prst="roundRect">
-                    <a:avLst>
-                      <a:gd name="adj" fmla="val 3475"/>
-                    </a:avLst>
-                  </a:prstGeom>
-                  <a:noFill/>
-                  <a:ln w="76200">
-                    <a:solidFill>
-                      <a:schemeClr val="accent2">
-                        <a:lumMod val="60000"/>
-                        <a:lumOff val="40000"/>
-                      </a:schemeClr>
-                    </a:solidFill>
-                  </a:ln>
-                </p:spPr>
-                <p:style>
-                  <a:lnRef idx="2">
-                    <a:schemeClr val="accent1">
-                      <a:shade val="50000"/>
-                    </a:schemeClr>
-                  </a:lnRef>
-                  <a:fillRef idx="1">
-                    <a:schemeClr val="accent1"/>
-                  </a:fillRef>
-                  <a:effectRef idx="0">
-                    <a:schemeClr val="accent1"/>
-                  </a:effectRef>
-                  <a:fontRef idx="minor">
-                    <a:schemeClr val="lt1"/>
-                  </a:fontRef>
-                </p:style>
-                <p:txBody>
-                  <a:bodyPr rtlCol="0" anchor="ctr"/>
-                  <a:lstStyle/>
-                  <a:p>
-                    <a:pPr algn="ctr"/>
-                    <a:endParaRPr lang="fr-FR"/>
-                  </a:p>
-                </p:txBody>
-              </p:sp>
-            </p:grpSp>
-            <p:grpSp>
-              <p:nvGrpSpPr>
-                <p:cNvPr id="47" name="Groupe 46"/>
-                <p:cNvGrpSpPr/>
-                <p:nvPr/>
-              </p:nvGrpSpPr>
-              <p:grpSpPr>
-                <a:xfrm>
-                  <a:off x="8025337" y="2712720"/>
-                  <a:ext cx="2160000" cy="1432560"/>
-                  <a:chOff x="5016000" y="2712720"/>
-                  <a:chExt cx="2160000" cy="1432560"/>
-                </a:xfrm>
-              </p:grpSpPr>
-              <p:pic>
-                <p:nvPicPr>
-                  <p:cNvPr id="28" name="Image 27"/>
-                  <p:cNvPicPr>
-                    <a:picLocks noChangeAspect="1"/>
-                  </p:cNvPicPr>
-                  <p:nvPr/>
-                </p:nvPicPr>
-                <p:blipFill>
-                  <a:blip r:embed="rId5" cstate="hqprint">
-                    <a:extLst>
-                      <a:ext uri="{28A0092B-C50C-407E-A947-70E740481C1C}">
-                        <a14:useLocalDpi xmlns:a14="http://schemas.microsoft.com/office/drawing/2010/main" val="0"/>
-                      </a:ext>
-                    </a:extLst>
-                  </a:blip>
-                  <a:stretch>
-                    <a:fillRect/>
-                  </a:stretch>
-                </p:blipFill>
-                <p:spPr>
-                  <a:xfrm>
-                    <a:off x="5379720" y="2712720"/>
-                    <a:ext cx="1432560" cy="1432560"/>
-                  </a:xfrm>
-                  <a:prstGeom prst="rect">
-                    <a:avLst/>
-                  </a:prstGeom>
-                </p:spPr>
-              </p:pic>
-              <p:sp>
-                <p:nvSpPr>
-                  <p:cNvPr id="46" name="Rectangle : coins arrondis 8">
-                    <a:extLst>
-                      <a:ext uri="{FF2B5EF4-FFF2-40B4-BE49-F238E27FC236}">
-                        <a16:creationId xmlns:a16="http://schemas.microsoft.com/office/drawing/2014/main" id="{B6A135D8-E31B-477C-81B0-D476AFCDDEFC}"/>
-                      </a:ext>
-                    </a:extLst>
-                  </p:cNvPr>
-                  <p:cNvSpPr/>
-                  <p:nvPr/>
-                </p:nvSpPr>
-                <p:spPr>
-                  <a:xfrm>
-                    <a:off x="5016000" y="2799000"/>
-                    <a:ext cx="2160000" cy="1260000"/>
-                  </a:xfrm>
-                  <a:prstGeom prst="roundRect">
-                    <a:avLst>
-                      <a:gd name="adj" fmla="val 3475"/>
-                    </a:avLst>
-                  </a:prstGeom>
-                  <a:noFill/>
-                  <a:ln w="76200">
-                    <a:solidFill>
-                      <a:schemeClr val="accent2">
-                        <a:lumMod val="60000"/>
-                        <a:lumOff val="40000"/>
-                      </a:schemeClr>
-                    </a:solidFill>
-                  </a:ln>
-                </p:spPr>
-                <p:style>
-                  <a:lnRef idx="2">
-                    <a:schemeClr val="accent1">
-                      <a:shade val="50000"/>
-                    </a:schemeClr>
-                  </a:lnRef>
-                  <a:fillRef idx="1">
-                    <a:schemeClr val="accent1"/>
-                  </a:fillRef>
-                  <a:effectRef idx="0">
-                    <a:schemeClr val="accent1"/>
-                  </a:effectRef>
-                  <a:fontRef idx="minor">
-                    <a:schemeClr val="lt1"/>
-                  </a:fontRef>
-                </p:style>
-                <p:txBody>
-                  <a:bodyPr rtlCol="0" anchor="ctr"/>
-                  <a:lstStyle/>
-                  <a:p>
-                    <a:pPr algn="ctr"/>
-                    <a:endParaRPr lang="fr-FR"/>
-                  </a:p>
-                </p:txBody>
-              </p:sp>
-            </p:grpSp>
-          </p:grpSp>
-          <p:grpSp>
-            <p:nvGrpSpPr>
-              <p:cNvPr id="66" name="Groupe 65"/>
-              <p:cNvGrpSpPr/>
-              <p:nvPr/>
-            </p:nvGrpSpPr>
-            <p:grpSpPr>
-              <a:xfrm>
-                <a:off x="1081732" y="4039393"/>
-                <a:ext cx="9745631" cy="1432560"/>
-                <a:chOff x="1081732" y="2998533"/>
-                <a:chExt cx="9745631" cy="1432560"/>
-              </a:xfrm>
-            </p:grpSpPr>
-            <p:pic>
-              <p:nvPicPr>
-                <p:cNvPr id="16" name="Image 15"/>
-                <p:cNvPicPr>
-                  <a:picLocks noChangeAspect="1"/>
-                </p:cNvPicPr>
-                <p:nvPr/>
-              </p:nvPicPr>
-              <p:blipFill>
-                <a:blip r:embed="rId6" cstate="hqprint">
-                  <a:extLst>
-                    <a:ext uri="{28A0092B-C50C-407E-A947-70E740481C1C}">
-                      <a14:useLocalDpi xmlns:a14="http://schemas.microsoft.com/office/drawing/2010/main" val="0"/>
-                    </a:ext>
-                  </a:extLst>
-                </a:blip>
-                <a:stretch>
-                  <a:fillRect/>
-                </a:stretch>
-              </p:blipFill>
-              <p:spPr>
-                <a:xfrm>
-                  <a:off x="1445452" y="2998533"/>
-                  <a:ext cx="1432560" cy="1432560"/>
-                </a:xfrm>
-                <a:prstGeom prst="rect">
-                  <a:avLst/>
-                </a:prstGeom>
-              </p:spPr>
-            </p:pic>
-            <p:pic>
-              <p:nvPicPr>
-                <p:cNvPr id="22" name="Image 21"/>
-                <p:cNvPicPr>
-                  <a:picLocks noChangeAspect="1"/>
-                </p:cNvPicPr>
-                <p:nvPr/>
-              </p:nvPicPr>
-              <p:blipFill>
-                <a:blip r:embed="rId7" cstate="hqprint">
-                  <a:extLst>
-                    <a:ext uri="{28A0092B-C50C-407E-A947-70E740481C1C}">
-                      <a14:useLocalDpi xmlns:a14="http://schemas.microsoft.com/office/drawing/2010/main" val="0"/>
-                    </a:ext>
-                  </a:extLst>
-                </a:blip>
-                <a:stretch>
-                  <a:fillRect/>
-                </a:stretch>
-              </p:blipFill>
-              <p:spPr>
-                <a:xfrm>
-                  <a:off x="3952496" y="2998533"/>
-                  <a:ext cx="1432560" cy="1432560"/>
-                </a:xfrm>
-                <a:prstGeom prst="rect">
-                  <a:avLst/>
-                </a:prstGeom>
-              </p:spPr>
-            </p:pic>
-            <p:pic>
-              <p:nvPicPr>
-                <p:cNvPr id="27" name="Image 26"/>
-                <p:cNvPicPr>
-                  <a:picLocks noChangeAspect="1"/>
-                </p:cNvPicPr>
-                <p:nvPr/>
-              </p:nvPicPr>
-              <p:blipFill>
-                <a:blip r:embed="rId8" cstate="hqprint">
-                  <a:extLst>
-                    <a:ext uri="{28A0092B-C50C-407E-A947-70E740481C1C}">
-                      <a14:useLocalDpi xmlns:a14="http://schemas.microsoft.com/office/drawing/2010/main" val="0"/>
-                    </a:ext>
-                  </a:extLst>
-                </a:blip>
-                <a:stretch>
-                  <a:fillRect/>
-                </a:stretch>
-              </p:blipFill>
-              <p:spPr>
-                <a:xfrm>
-                  <a:off x="6508536" y="2998533"/>
-                  <a:ext cx="1432560" cy="1432560"/>
-                </a:xfrm>
-                <a:prstGeom prst="rect">
-                  <a:avLst/>
-                </a:prstGeom>
-              </p:spPr>
-            </p:pic>
-            <p:pic>
-              <p:nvPicPr>
-                <p:cNvPr id="29" name="Image 28"/>
-                <p:cNvPicPr>
-                  <a:picLocks noChangeAspect="1"/>
-                </p:cNvPicPr>
-                <p:nvPr/>
-              </p:nvPicPr>
-              <p:blipFill>
-                <a:blip r:embed="rId9" cstate="hqprint">
-                  <a:extLst>
-                    <a:ext uri="{28A0092B-C50C-407E-A947-70E740481C1C}">
-                      <a14:useLocalDpi xmlns:a14="http://schemas.microsoft.com/office/drawing/2010/main" val="0"/>
-                    </a:ext>
-                  </a:extLst>
-                </a:blip>
-                <a:stretch>
-                  <a:fillRect/>
-                </a:stretch>
-              </p:blipFill>
-              <p:spPr>
-                <a:xfrm>
-                  <a:off x="9031083" y="2998533"/>
-                  <a:ext cx="1432560" cy="1432560"/>
-                </a:xfrm>
-                <a:prstGeom prst="rect">
-                  <a:avLst/>
-                </a:prstGeom>
-              </p:spPr>
-            </p:pic>
-            <p:grpSp>
-              <p:nvGrpSpPr>
-                <p:cNvPr id="49" name="Groupe 48"/>
-                <p:cNvGrpSpPr/>
-                <p:nvPr/>
-              </p:nvGrpSpPr>
-              <p:grpSpPr>
-                <a:xfrm>
-                  <a:off x="1081732" y="3084813"/>
-                  <a:ext cx="9745631" cy="1260000"/>
-                  <a:chOff x="439706" y="2799000"/>
-                  <a:chExt cx="9745631" cy="1260000"/>
-                </a:xfrm>
-              </p:grpSpPr>
-              <p:sp>
-                <p:nvSpPr>
-                  <p:cNvPr id="63" name="Rectangle : coins arrondis 8">
-                    <a:extLst>
-                      <a:ext uri="{FF2B5EF4-FFF2-40B4-BE49-F238E27FC236}">
-                        <a16:creationId xmlns:a16="http://schemas.microsoft.com/office/drawing/2014/main" id="{B6A135D8-E31B-477C-81B0-D476AFCDDEFC}"/>
-                      </a:ext>
-                    </a:extLst>
-                  </p:cNvPr>
-                  <p:cNvSpPr/>
-                  <p:nvPr/>
-                </p:nvSpPr>
-                <p:spPr>
-                  <a:xfrm>
-                    <a:off x="439706" y="2799000"/>
-                    <a:ext cx="2160000" cy="1260000"/>
-                  </a:xfrm>
-                  <a:prstGeom prst="roundRect">
-                    <a:avLst>
-                      <a:gd name="adj" fmla="val 3475"/>
-                    </a:avLst>
-                  </a:prstGeom>
-                  <a:noFill/>
-                  <a:ln w="76200">
-                    <a:solidFill>
-                      <a:schemeClr val="accent6">
-                        <a:lumMod val="60000"/>
-                        <a:lumOff val="40000"/>
-                      </a:schemeClr>
-                    </a:solidFill>
-                  </a:ln>
-                </p:spPr>
-                <p:style>
-                  <a:lnRef idx="2">
-                    <a:schemeClr val="accent1">
-                      <a:shade val="50000"/>
-                    </a:schemeClr>
-                  </a:lnRef>
-                  <a:fillRef idx="1">
-                    <a:schemeClr val="accent1"/>
-                  </a:fillRef>
-                  <a:effectRef idx="0">
-                    <a:schemeClr val="accent1"/>
-                  </a:effectRef>
-                  <a:fontRef idx="minor">
-                    <a:schemeClr val="lt1"/>
-                  </a:fontRef>
-                </p:style>
-                <p:txBody>
-                  <a:bodyPr rtlCol="0" anchor="ctr"/>
-                  <a:lstStyle/>
-                  <a:p>
-                    <a:pPr algn="ctr"/>
-                    <a:endParaRPr lang="fr-FR"/>
-                  </a:p>
-                </p:txBody>
-              </p:sp>
-              <p:sp>
-                <p:nvSpPr>
-                  <p:cNvPr id="59" name="Rectangle : coins arrondis 8">
-                    <a:extLst>
-                      <a:ext uri="{FF2B5EF4-FFF2-40B4-BE49-F238E27FC236}">
-                        <a16:creationId xmlns:a16="http://schemas.microsoft.com/office/drawing/2014/main" id="{B6A135D8-E31B-477C-81B0-D476AFCDDEFC}"/>
-                      </a:ext>
-                    </a:extLst>
-                  </p:cNvPr>
-                  <p:cNvSpPr/>
-                  <p:nvPr/>
-                </p:nvSpPr>
-                <p:spPr>
-                  <a:xfrm>
-                    <a:off x="2946750" y="2799000"/>
-                    <a:ext cx="2160000" cy="1260000"/>
-                  </a:xfrm>
-                  <a:prstGeom prst="roundRect">
-                    <a:avLst>
-                      <a:gd name="adj" fmla="val 3475"/>
-                    </a:avLst>
-                  </a:prstGeom>
-                  <a:noFill/>
-                  <a:ln w="76200">
-                    <a:solidFill>
-                      <a:schemeClr val="accent6">
-                        <a:lumMod val="60000"/>
-                        <a:lumOff val="40000"/>
-                      </a:schemeClr>
-                    </a:solidFill>
-                  </a:ln>
-                </p:spPr>
-                <p:style>
-                  <a:lnRef idx="2">
-                    <a:schemeClr val="accent1">
-                      <a:shade val="50000"/>
-                    </a:schemeClr>
-                  </a:lnRef>
-                  <a:fillRef idx="1">
-                    <a:schemeClr val="accent1"/>
-                  </a:fillRef>
-                  <a:effectRef idx="0">
-                    <a:schemeClr val="accent1"/>
-                  </a:effectRef>
-                  <a:fontRef idx="minor">
-                    <a:schemeClr val="lt1"/>
-                  </a:fontRef>
-                </p:style>
-                <p:txBody>
-                  <a:bodyPr rtlCol="0" anchor="ctr"/>
-                  <a:lstStyle/>
-                  <a:p>
-                    <a:pPr algn="ctr"/>
-                    <a:endParaRPr lang="fr-FR"/>
-                  </a:p>
-                </p:txBody>
-              </p:sp>
-              <p:sp>
-                <p:nvSpPr>
-                  <p:cNvPr id="57" name="Rectangle : coins arrondis 8">
-                    <a:extLst>
-                      <a:ext uri="{FF2B5EF4-FFF2-40B4-BE49-F238E27FC236}">
-                        <a16:creationId xmlns:a16="http://schemas.microsoft.com/office/drawing/2014/main" id="{B6A135D8-E31B-477C-81B0-D476AFCDDEFC}"/>
-                      </a:ext>
-                    </a:extLst>
-                  </p:cNvPr>
-                  <p:cNvSpPr/>
-                  <p:nvPr/>
-                </p:nvSpPr>
-                <p:spPr>
-                  <a:xfrm>
-                    <a:off x="5502790" y="2799000"/>
-                    <a:ext cx="2160000" cy="1260000"/>
-                  </a:xfrm>
-                  <a:prstGeom prst="roundRect">
-                    <a:avLst>
-                      <a:gd name="adj" fmla="val 3475"/>
-                    </a:avLst>
-                  </a:prstGeom>
-                  <a:noFill/>
-                  <a:ln w="76200">
-                    <a:solidFill>
-                      <a:schemeClr val="accent6">
-                        <a:lumMod val="60000"/>
-                        <a:lumOff val="40000"/>
-                      </a:schemeClr>
-                    </a:solidFill>
-                  </a:ln>
-                </p:spPr>
-                <p:style>
-                  <a:lnRef idx="2">
-                    <a:schemeClr val="accent1">
-                      <a:shade val="50000"/>
-                    </a:schemeClr>
-                  </a:lnRef>
-                  <a:fillRef idx="1">
-                    <a:schemeClr val="accent1"/>
-                  </a:fillRef>
-                  <a:effectRef idx="0">
-                    <a:schemeClr val="accent1"/>
-                  </a:effectRef>
-                  <a:fontRef idx="minor">
-                    <a:schemeClr val="lt1"/>
-                  </a:fontRef>
-                </p:style>
-                <p:txBody>
-                  <a:bodyPr rtlCol="0" anchor="ctr"/>
-                  <a:lstStyle/>
-                  <a:p>
-                    <a:pPr algn="ctr"/>
-                    <a:endParaRPr lang="fr-FR"/>
-                  </a:p>
-                </p:txBody>
-              </p:sp>
-              <p:sp>
-                <p:nvSpPr>
-                  <p:cNvPr id="55" name="Rectangle : coins arrondis 8">
-                    <a:extLst>
-                      <a:ext uri="{FF2B5EF4-FFF2-40B4-BE49-F238E27FC236}">
-                        <a16:creationId xmlns:a16="http://schemas.microsoft.com/office/drawing/2014/main" id="{B6A135D8-E31B-477C-81B0-D476AFCDDEFC}"/>
-                      </a:ext>
-                    </a:extLst>
-                  </p:cNvPr>
-                  <p:cNvSpPr/>
-                  <p:nvPr/>
-                </p:nvSpPr>
-                <p:spPr>
-                  <a:xfrm>
-                    <a:off x="8025337" y="2799000"/>
-                    <a:ext cx="2160000" cy="1260000"/>
-                  </a:xfrm>
-                  <a:prstGeom prst="roundRect">
-                    <a:avLst>
-                      <a:gd name="adj" fmla="val 3475"/>
-                    </a:avLst>
-                  </a:prstGeom>
-                  <a:noFill/>
-                  <a:ln w="76200">
-                    <a:solidFill>
-                      <a:schemeClr val="accent6">
-                        <a:lumMod val="60000"/>
-                        <a:lumOff val="40000"/>
-                      </a:schemeClr>
-                    </a:solidFill>
-                  </a:ln>
-                </p:spPr>
-                <p:style>
-                  <a:lnRef idx="2">
-                    <a:schemeClr val="accent1">
-                      <a:shade val="50000"/>
-                    </a:schemeClr>
-                  </a:lnRef>
-                  <a:fillRef idx="1">
-                    <a:schemeClr val="accent1"/>
-                  </a:fillRef>
-                  <a:effectRef idx="0">
-                    <a:schemeClr val="accent1"/>
-                  </a:effectRef>
-                  <a:fontRef idx="minor">
-                    <a:schemeClr val="lt1"/>
-                  </a:fontRef>
-                </p:style>
-                <p:txBody>
-                  <a:bodyPr rtlCol="0" anchor="ctr"/>
-                  <a:lstStyle/>
-                  <a:p>
-                    <a:pPr algn="ctr"/>
-                    <a:endParaRPr lang="fr-FR"/>
-                  </a:p>
-                </p:txBody>
-              </p:sp>
-            </p:grpSp>
-          </p:grpSp>
-        </p:grpSp>
-        <p:sp>
-          <p:nvSpPr>
-            <p:cNvPr id="68" name="Pentagone 67"/>
-            <p:cNvSpPr/>
-            <p:nvPr/>
-          </p:nvSpPr>
-          <p:spPr>
-            <a:xfrm rot="5400000">
-              <a:off x="5296875" y="-1397421"/>
-              <a:ext cx="1598254" cy="9745633"/>
-            </a:xfrm>
-            <a:prstGeom prst="homePlate">
-              <a:avLst>
-                <a:gd name="adj" fmla="val 57304"/>
-              </a:avLst>
-            </a:prstGeom>
-            <a:gradFill flip="none" rotWithShape="1">
-              <a:gsLst>
-                <a:gs pos="0">
-                  <a:schemeClr val="accent2">
-                    <a:lumMod val="60000"/>
-                    <a:lumOff val="40000"/>
-                  </a:schemeClr>
-                </a:gs>
-                <a:gs pos="57000">
-                  <a:schemeClr val="accent6">
-                    <a:lumMod val="60000"/>
-                    <a:lumOff val="40000"/>
-                  </a:schemeClr>
-                </a:gs>
-              </a:gsLst>
-              <a:lin ang="0" scaled="1"/>
-              <a:tileRect/>
-            </a:gradFill>
-          </p:spPr>
-          <p:style>
-            <a:lnRef idx="2">
-              <a:schemeClr val="accent1">
-                <a:shade val="50000"/>
-              </a:schemeClr>
-            </a:lnRef>
-            <a:fillRef idx="1">
-              <a:schemeClr val="accent1"/>
-            </a:fillRef>
-            <a:effectRef idx="0">
-              <a:schemeClr val="accent1"/>
-            </a:effectRef>
-            <a:fontRef idx="minor">
-              <a:schemeClr val="lt1"/>
-            </a:fontRef>
-          </p:style>
-          <p:txBody>
-            <a:bodyPr rtlCol="0" anchor="ctr"/>
-            <a:lstStyle/>
-            <a:p>
-              <a:pPr algn="ctr"/>
-              <a:endParaRPr lang="fr-FR"/>
-            </a:p>
-          </p:txBody>
-        </p:sp>
-      </p:grpSp>
+          <a:prstGeom prst="rect">
+            <a:avLst/>
+          </a:prstGeom>
+          <a:noFill/>
+        </p:spPr>
+        <p:txBody>
+          <a:bodyPr wrap="square" rtlCol="0">
+            <a:spAutoFit/>
+          </a:bodyPr>
+          <a:lstStyle/>
+          <a:p>
+            <a:pPr algn="ctr"/>
+            <a:r>
+              <a:rPr lang="fr-FR" sz="3200" dirty="0">
+                <a:solidFill>
+                  <a:schemeClr val="bg1"/>
+                </a:solidFill>
+                <a:latin typeface="Raleway ExtraLight" panose="020B0303030101060003" pitchFamily="34" charset="0"/>
+              </a:rPr>
+              <a:t>ateliers-</a:t>
+            </a:r>
+            <a:r>
+              <a:rPr lang="fr-FR" sz="3200" dirty="0" err="1">
+                <a:solidFill>
+                  <a:schemeClr val="bg1"/>
+                </a:solidFill>
+                <a:latin typeface="Raleway ExtraLight" panose="020B0303030101060003" pitchFamily="34" charset="0"/>
+              </a:rPr>
+              <a:t>codons.netlify.app</a:t>
+            </a:r>
+            <a:endParaRPr lang="fr-FR" sz="3200" dirty="0">
+              <a:solidFill>
+                <a:schemeClr val="bg1"/>
+              </a:solidFill>
+              <a:latin typeface="Raleway ExtraBold" panose="020B0903030101060003" pitchFamily="34" charset="0"/>
+            </a:endParaRPr>
+          </a:p>
+        </p:txBody>
+      </p:sp>
+      <p:pic>
+        <p:nvPicPr>
+          <p:cNvPr id="3" name="Image 2">
+            <a:extLst>
+              <a:ext uri="{FF2B5EF4-FFF2-40B4-BE49-F238E27FC236}">
+                <a16:creationId xmlns:a16="http://schemas.microsoft.com/office/drawing/2014/main" id="{472B8EC4-CEB5-42A2-8824-F87A772B69DB}"/>
+              </a:ext>
+            </a:extLst>
+          </p:cNvPr>
+          <p:cNvPicPr>
+            <a:picLocks noChangeAspect="1"/>
+          </p:cNvPicPr>
+          <p:nvPr/>
+        </p:nvPicPr>
+        <p:blipFill>
+          <a:blip r:embed="rId2">
+            <a:extLst>
+              <a:ext uri="{28A0092B-C50C-407E-A947-70E740481C1C}">
+                <a14:useLocalDpi xmlns:a14="http://schemas.microsoft.com/office/drawing/2010/main" val="0"/>
+              </a:ext>
+            </a:extLst>
+          </a:blip>
+          <a:stretch>
+            <a:fillRect/>
+          </a:stretch>
+        </p:blipFill>
+        <p:spPr>
+          <a:xfrm>
+            <a:off x="1202896" y="1587848"/>
+            <a:ext cx="9786208" cy="3682304"/>
+          </a:xfrm>
+          <a:prstGeom prst="rect">
+            <a:avLst/>
+          </a:prstGeom>
+        </p:spPr>
+      </p:pic>
     </p:spTree>
     <p:extLst>
       <p:ext uri="{BB962C8B-B14F-4D97-AF65-F5344CB8AC3E}">
-        <p14:creationId xmlns:p14="http://schemas.microsoft.com/office/powerpoint/2010/main" val="1780681259"/>
+        <p14:creationId xmlns:p14="http://schemas.microsoft.com/office/powerpoint/2010/main" val="1181379138"/>
       </p:ext>
     </p:extLst>
   </p:cSld>
